--- a/intro-to-ml/intro_ml_pres.pptx
+++ b/intro-to-ml/intro_ml_pres.pptx
@@ -21,15 +21,15 @@
     <p:sldId id="273" r:id="rId12"/>
     <p:sldId id="274" r:id="rId13"/>
     <p:sldId id="275" r:id="rId14"/>
-    <p:sldId id="276" r:id="rId15"/>
-    <p:sldId id="277" r:id="rId16"/>
+    <p:sldId id="277" r:id="rId15"/>
+    <p:sldId id="276" r:id="rId16"/>
     <p:sldId id="278" r:id="rId17"/>
     <p:sldId id="279" r:id="rId18"/>
-    <p:sldId id="280" r:id="rId19"/>
-    <p:sldId id="281" r:id="rId20"/>
-    <p:sldId id="289" r:id="rId21"/>
-    <p:sldId id="282" r:id="rId22"/>
-    <p:sldId id="290" r:id="rId23"/>
+    <p:sldId id="290" r:id="rId19"/>
+    <p:sldId id="292" r:id="rId20"/>
+    <p:sldId id="281" r:id="rId21"/>
+    <p:sldId id="289" r:id="rId22"/>
+    <p:sldId id="282" r:id="rId23"/>
     <p:sldId id="284" r:id="rId24"/>
     <p:sldId id="285" r:id="rId25"/>
     <p:sldId id="286" r:id="rId26"/>
@@ -223,7 +223,7 @@
           <a:p>
             <a:fld id="{46C9D615-ED27-744A-A4B8-579FBAA85E7D}" type="datetimeFigureOut">
               <a:rPr lang="en-US" smtClean="0"/>
-              <a:t>11/27/19</a:t>
+              <a:t>12/2/19</a:t>
             </a:fld>
             <a:endParaRPr lang="en-US"/>
           </a:p>
@@ -555,7 +555,7 @@
           <a:p>
             <a:fld id="{DED11342-F8CC-2A41-A616-BD96E5345785}" type="slidenum">
               <a:rPr lang="en-US" smtClean="0"/>
-              <a:t>22</a:t>
+              <a:t>18</a:t>
             </a:fld>
             <a:endParaRPr lang="en-US"/>
           </a:p>
@@ -705,7 +705,7 @@
           <a:p>
             <a:fld id="{1FD27DBD-EE4F-4548-AC77-3F4F53BBBAAF}" type="datetimeFigureOut">
               <a:rPr lang="en-US" smtClean="0"/>
-              <a:t>11/27/19</a:t>
+              <a:t>12/2/19</a:t>
             </a:fld>
             <a:endParaRPr lang="en-US"/>
           </a:p>
@@ -875,7 +875,7 @@
           <a:p>
             <a:fld id="{1FD27DBD-EE4F-4548-AC77-3F4F53BBBAAF}" type="datetimeFigureOut">
               <a:rPr lang="en-US" smtClean="0"/>
-              <a:t>11/27/19</a:t>
+              <a:t>12/2/19</a:t>
             </a:fld>
             <a:endParaRPr lang="en-US"/>
           </a:p>
@@ -1055,7 +1055,7 @@
           <a:p>
             <a:fld id="{1FD27DBD-EE4F-4548-AC77-3F4F53BBBAAF}" type="datetimeFigureOut">
               <a:rPr lang="en-US" smtClean="0"/>
-              <a:t>11/27/19</a:t>
+              <a:t>12/2/19</a:t>
             </a:fld>
             <a:endParaRPr lang="en-US"/>
           </a:p>
@@ -1225,7 +1225,7 @@
           <a:p>
             <a:fld id="{1FD27DBD-EE4F-4548-AC77-3F4F53BBBAAF}" type="datetimeFigureOut">
               <a:rPr lang="en-US" smtClean="0"/>
-              <a:t>11/27/19</a:t>
+              <a:t>12/2/19</a:t>
             </a:fld>
             <a:endParaRPr lang="en-US"/>
           </a:p>
@@ -1471,7 +1471,7 @@
           <a:p>
             <a:fld id="{1FD27DBD-EE4F-4548-AC77-3F4F53BBBAAF}" type="datetimeFigureOut">
               <a:rPr lang="en-US" smtClean="0"/>
-              <a:t>11/27/19</a:t>
+              <a:t>12/2/19</a:t>
             </a:fld>
             <a:endParaRPr lang="en-US"/>
           </a:p>
@@ -1703,7 +1703,7 @@
           <a:p>
             <a:fld id="{1FD27DBD-EE4F-4548-AC77-3F4F53BBBAAF}" type="datetimeFigureOut">
               <a:rPr lang="en-US" smtClean="0"/>
-              <a:t>11/27/19</a:t>
+              <a:t>12/2/19</a:t>
             </a:fld>
             <a:endParaRPr lang="en-US"/>
           </a:p>
@@ -2070,7 +2070,7 @@
           <a:p>
             <a:fld id="{1FD27DBD-EE4F-4548-AC77-3F4F53BBBAAF}" type="datetimeFigureOut">
               <a:rPr lang="en-US" smtClean="0"/>
-              <a:t>11/27/19</a:t>
+              <a:t>12/2/19</a:t>
             </a:fld>
             <a:endParaRPr lang="en-US"/>
           </a:p>
@@ -2188,7 +2188,7 @@
           <a:p>
             <a:fld id="{1FD27DBD-EE4F-4548-AC77-3F4F53BBBAAF}" type="datetimeFigureOut">
               <a:rPr lang="en-US" smtClean="0"/>
-              <a:t>11/27/19</a:t>
+              <a:t>12/2/19</a:t>
             </a:fld>
             <a:endParaRPr lang="en-US"/>
           </a:p>
@@ -2283,7 +2283,7 @@
           <a:p>
             <a:fld id="{1FD27DBD-EE4F-4548-AC77-3F4F53BBBAAF}" type="datetimeFigureOut">
               <a:rPr lang="en-US" smtClean="0"/>
-              <a:t>11/27/19</a:t>
+              <a:t>12/2/19</a:t>
             </a:fld>
             <a:endParaRPr lang="en-US"/>
           </a:p>
@@ -2560,7 +2560,7 @@
           <a:p>
             <a:fld id="{1FD27DBD-EE4F-4548-AC77-3F4F53BBBAAF}" type="datetimeFigureOut">
               <a:rPr lang="en-US" smtClean="0"/>
-              <a:t>11/27/19</a:t>
+              <a:t>12/2/19</a:t>
             </a:fld>
             <a:endParaRPr lang="en-US"/>
           </a:p>
@@ -2817,7 +2817,7 @@
           <a:p>
             <a:fld id="{1FD27DBD-EE4F-4548-AC77-3F4F53BBBAAF}" type="datetimeFigureOut">
               <a:rPr lang="en-US" smtClean="0"/>
-              <a:t>11/27/19</a:t>
+              <a:t>12/2/19</a:t>
             </a:fld>
             <a:endParaRPr lang="en-US"/>
           </a:p>
@@ -3030,7 +3030,7 @@
           <a:p>
             <a:fld id="{1FD27DBD-EE4F-4548-AC77-3F4F53BBBAAF}" type="datetimeFigureOut">
               <a:rPr lang="en-US" smtClean="0"/>
-              <a:t>11/27/19</a:t>
+              <a:t>12/2/19</a:t>
             </a:fld>
             <a:endParaRPr lang="en-US"/>
           </a:p>
@@ -3876,7 +3876,52 @@
             <a:spLocks noGrp="1"/>
           </p:cNvSpPr>
           <p:nvPr>
-            <p:ph idx="1"/>
+            <p:ph sz="half" idx="1"/>
+          </p:nvPr>
+        </p:nvSpPr>
+        <p:spPr/>
+        <p:txBody>
+          <a:bodyPr/>
+          <a:lstStyle/>
+          <a:p>
+            <a:r>
+              <a:rPr lang="en-US" dirty="0"/>
+              <a:t>Map an input to an output</a:t>
+            </a:r>
+          </a:p>
+          <a:p>
+            <a:r>
+              <a:rPr lang="en-US" dirty="0"/>
+              <a:t>Predicting a label (benign/malignant) or continuous value (9 hours)</a:t>
+            </a:r>
+          </a:p>
+          <a:p>
+            <a:r>
+              <a:rPr lang="en-US" dirty="0"/>
+              <a:t>Relies on previously labeled pairs of input and output values, or </a:t>
+            </a:r>
+            <a:r>
+              <a:rPr lang="en-US" b="1" dirty="0"/>
+              <a:t>labeled training data</a:t>
+            </a:r>
+            <a:endParaRPr lang="en-US" dirty="0"/>
+          </a:p>
+        </p:txBody>
+      </p:sp>
+      <p:sp>
+        <p:nvSpPr>
+          <p:cNvPr id="6" name="Content Placeholder 5">
+            <a:extLst>
+              <a:ext uri="{FF2B5EF4-FFF2-40B4-BE49-F238E27FC236}">
+                <a16:creationId xmlns:a16="http://schemas.microsoft.com/office/drawing/2014/main" id="{3A280D30-9234-F542-8E4B-3EEF6E664385}"/>
+              </a:ext>
+            </a:extLst>
+          </p:cNvPr>
+          <p:cNvSpPr>
+            <a:spLocks noGrp="1"/>
+          </p:cNvSpPr>
+          <p:nvPr>
+            <p:ph sz="half" idx="2"/>
           </p:nvPr>
         </p:nvSpPr>
         <p:spPr/>
@@ -3893,7 +3938,11 @@
             </a:r>
             <a:r>
               <a:rPr lang="en-US" i="1" dirty="0" err="1"/>
-              <a:t>xi</a:t>
+              <a:t>x</a:t>
+            </a:r>
+            <a:r>
+              <a:rPr lang="en-US" i="1" baseline="-25000" dirty="0" err="1"/>
+              <a:t>i</a:t>
             </a:r>
             <a:r>
               <a:rPr lang="en-US" dirty="0" err="1"/>
@@ -3946,25 +3995,33 @@
             </a:pPr>
             <a:r>
               <a:rPr lang="en-US" i="1" dirty="0" err="1"/>
-              <a:t>xi</a:t>
+              <a:t>x</a:t>
+            </a:r>
+            <a:r>
+              <a:rPr lang="en-US" i="1" baseline="-25000" dirty="0" err="1"/>
+              <a:t>i</a:t>
             </a:r>
             <a:r>
               <a:rPr lang="en-US" dirty="0" err="1"/>
               <a:t>∈ℝ</a:t>
             </a:r>
             <a:r>
+              <a:rPr lang="en-US" i="1" baseline="30000" dirty="0" err="1"/>
+              <a:t>p</a:t>
+            </a:r>
+            <a:endParaRPr lang="en-US" baseline="30000" dirty="0"/>
+          </a:p>
+          <a:p>
+            <a:pPr marL="0" indent="0">
+              <a:buNone/>
+            </a:pPr>
+            <a:r>
               <a:rPr lang="en-US" i="1" dirty="0" err="1"/>
-              <a:t>p</a:t>
-            </a:r>
-            <a:endParaRPr lang="en-US" dirty="0"/>
-          </a:p>
-          <a:p>
-            <a:pPr marL="0" indent="0">
-              <a:buNone/>
-            </a:pPr>
-            <a:r>
-              <a:rPr lang="en-US" i="1" dirty="0" err="1"/>
-              <a:t>yi</a:t>
+              <a:t>y</a:t>
+            </a:r>
+            <a:r>
+              <a:rPr lang="en-US" i="1" baseline="-25000" dirty="0" err="1"/>
+              <a:t>i</a:t>
             </a:r>
             <a:r>
               <a:rPr lang="en-US" dirty="0" err="1"/>
@@ -3986,7 +4043,11 @@
             </a:r>
             <a:r>
               <a:rPr lang="en-US" i="1" dirty="0"/>
-              <a:t>xi</a:t>
+              <a:t>x</a:t>
+            </a:r>
+            <a:r>
+              <a:rPr lang="en-US" i="1" baseline="-25000" dirty="0"/>
+              <a:t>i</a:t>
             </a:r>
             <a:r>
               <a:rPr lang="en-US" dirty="0"/>
@@ -3994,8 +4055,15 @@
             </a:r>
             <a:r>
               <a:rPr lang="en-US" i="1" dirty="0" err="1"/>
-              <a:t>yi</a:t>
-            </a:r>
+              <a:t>y</a:t>
+            </a:r>
+            <a:r>
+              <a:rPr lang="en-US" i="1" baseline="-25000" dirty="0" err="1"/>
+              <a:t>i</a:t>
+            </a:r>
+            <a:endParaRPr lang="en-US" baseline="-25000" dirty="0"/>
+          </a:p>
+          <a:p>
             <a:endParaRPr lang="en-US" dirty="0"/>
           </a:p>
           <a:p>
@@ -4038,7 +4106,7 @@
           <p:cNvPr id="2" name="Title 1">
             <a:extLst>
               <a:ext uri="{FF2B5EF4-FFF2-40B4-BE49-F238E27FC236}">
-                <a16:creationId xmlns:a16="http://schemas.microsoft.com/office/drawing/2014/main" id="{B7D44752-D4B0-034B-A9A8-B08009DEBA76}"/>
+                <a16:creationId xmlns:a16="http://schemas.microsoft.com/office/drawing/2014/main" id="{974BFA05-73DB-E943-B0A5-670FC66C6F3A}"/>
               </a:ext>
             </a:extLst>
           </p:cNvPr>
@@ -4056,7 +4124,7 @@
           <a:p>
             <a:r>
               <a:rPr lang="en-US" b="1" dirty="0"/>
-              <a:t>Generalization</a:t>
+              <a:t>Examples of Supervised Learning</a:t>
             </a:r>
             <a:endParaRPr lang="en-US" dirty="0"/>
           </a:p>
@@ -4067,7 +4135,7 @@
           <p:cNvPr id="3" name="Content Placeholder 2">
             <a:extLst>
               <a:ext uri="{FF2B5EF4-FFF2-40B4-BE49-F238E27FC236}">
-                <a16:creationId xmlns:a16="http://schemas.microsoft.com/office/drawing/2014/main" id="{04FC902E-90D6-5645-BE67-4BB4A80F0C56}"/>
+                <a16:creationId xmlns:a16="http://schemas.microsoft.com/office/drawing/2014/main" id="{8ADF72EE-49AE-6648-B983-563784BC02C6}"/>
               </a:ext>
             </a:extLst>
           </p:cNvPr>
@@ -4083,68 +4151,120 @@
           <a:bodyPr/>
           <a:lstStyle/>
           <a:p>
-            <a:r>
-              <a:rPr lang="en-US" dirty="0"/>
-              <a:t>Not only </a:t>
-            </a:r>
-            <a:r>
-              <a:rPr lang="en-US" i="1" dirty="0"/>
-              <a:t>f</a:t>
-            </a:r>
-            <a:r>
-              <a:rPr lang="en-US" dirty="0"/>
-              <a:t>(</a:t>
-            </a:r>
-            <a:r>
-              <a:rPr lang="en-US" i="1" dirty="0"/>
-              <a:t>xi</a:t>
-            </a:r>
-            <a:r>
-              <a:rPr lang="en-US" dirty="0"/>
-              <a:t>)≈</a:t>
-            </a:r>
-            <a:r>
-              <a:rPr lang="en-US" i="1" dirty="0" err="1"/>
-              <a:t>yi</a:t>
-            </a:r>
-            <a:endParaRPr lang="en-US" dirty="0"/>
-          </a:p>
-          <a:p>
-            <a:r>
-              <a:rPr lang="en-US" dirty="0"/>
-              <a:t>also for new data: </a:t>
-            </a:r>
-            <a:r>
-              <a:rPr lang="en-US" i="1" dirty="0"/>
-              <a:t>f</a:t>
-            </a:r>
-            <a:r>
-              <a:rPr lang="en-US" dirty="0"/>
-              <a:t>(</a:t>
-            </a:r>
-            <a:r>
-              <a:rPr lang="en-US" i="1" dirty="0"/>
-              <a:t>x</a:t>
-            </a:r>
-            <a:r>
-              <a:rPr lang="en-US" dirty="0"/>
-              <a:t>)≈</a:t>
-            </a:r>
-            <a:r>
-              <a:rPr lang="en-US" i="1" dirty="0"/>
-              <a:t>y</a:t>
-            </a:r>
-            <a:endParaRPr lang="en-US" dirty="0"/>
-          </a:p>
-          <a:p>
-            <a:endParaRPr lang="en-US" dirty="0"/>
+            <a:pPr marL="0" indent="0">
+              <a:buNone/>
+            </a:pPr>
+            <a:r>
+              <a:rPr lang="en-US" dirty="0"/>
+              <a:t>spam detection</a:t>
+            </a:r>
+          </a:p>
+          <a:p>
+            <a:pPr marL="0" indent="0">
+              <a:buNone/>
+            </a:pPr>
+            <a:r>
+              <a:rPr lang="en-US" dirty="0"/>
+              <a:t>medical diagnosis</a:t>
+            </a:r>
+          </a:p>
+          <a:p>
+            <a:pPr marL="0" indent="0">
+              <a:buNone/>
+            </a:pPr>
+            <a:r>
+              <a:rPr lang="en-US" dirty="0"/>
+              <a:t>ad click prediction</a:t>
+            </a:r>
+          </a:p>
+        </p:txBody>
+      </p:sp>
+      <p:pic>
+        <p:nvPicPr>
+          <p:cNvPr id="2050" name="Picture 2">
+            <a:extLst>
+              <a:ext uri="{FF2B5EF4-FFF2-40B4-BE49-F238E27FC236}">
+                <a16:creationId xmlns:a16="http://schemas.microsoft.com/office/drawing/2014/main" id="{9FE9D5BA-D8C5-A84B-BDD6-CBF4D3B66608}"/>
+              </a:ext>
+            </a:extLst>
+          </p:cNvPr>
+          <p:cNvPicPr>
+            <a:picLocks noChangeAspect="1" noChangeArrowheads="1"/>
+          </p:cNvPicPr>
+          <p:nvPr/>
+        </p:nvPicPr>
+        <p:blipFill>
+          <a:blip r:embed="rId2">
+            <a:extLst>
+              <a:ext uri="{28A0092B-C50C-407E-A947-70E740481C1C}">
+                <a14:useLocalDpi xmlns:a14="http://schemas.microsoft.com/office/drawing/2010/main" val="0"/>
+              </a:ext>
+            </a:extLst>
+          </a:blip>
+          <a:srcRect/>
+          <a:stretch>
+            <a:fillRect/>
+          </a:stretch>
+        </p:blipFill>
+        <p:spPr bwMode="auto">
+          <a:xfrm>
+            <a:off x="5253038" y="2438400"/>
+            <a:ext cx="6400800" cy="1981200"/>
+          </a:xfrm>
+          <a:prstGeom prst="rect">
+            <a:avLst/>
+          </a:prstGeom>
+          <a:noFill/>
+          <a:extLst>
+            <a:ext uri="{909E8E84-426E-40DD-AFC4-6F175D3DCCD1}">
+              <a14:hiddenFill xmlns:a14="http://schemas.microsoft.com/office/drawing/2010/main">
+                <a:solidFill>
+                  <a:srgbClr val="FFFFFF"/>
+                </a:solidFill>
+              </a14:hiddenFill>
+            </a:ext>
+          </a:extLst>
+        </p:spPr>
+      </p:pic>
+      <p:sp>
+        <p:nvSpPr>
+          <p:cNvPr id="4" name="TextBox 3">
+            <a:extLst>
+              <a:ext uri="{FF2B5EF4-FFF2-40B4-BE49-F238E27FC236}">
+                <a16:creationId xmlns:a16="http://schemas.microsoft.com/office/drawing/2014/main" id="{39324018-45B8-524E-8B3D-DB355363DDC9}"/>
+              </a:ext>
+            </a:extLst>
+          </p:cNvPr>
+          <p:cNvSpPr txBox="1"/>
+          <p:nvPr/>
+        </p:nvSpPr>
+        <p:spPr>
+          <a:xfrm>
+            <a:off x="5457825" y="4757738"/>
+            <a:ext cx="5895975" cy="646331"/>
+          </a:xfrm>
+          <a:prstGeom prst="rect">
+            <a:avLst/>
+          </a:prstGeom>
+          <a:noFill/>
+        </p:spPr>
+        <p:txBody>
+          <a:bodyPr wrap="square" rtlCol="0">
+            <a:spAutoFit/>
+          </a:bodyPr>
+          <a:lstStyle/>
+          <a:p>
+            <a:r>
+              <a:rPr lang="en-US" dirty="0"/>
+              <a:t>Assigning class (normal/bacterial pneumonia/viral pneumonia) to chest X-rays</a:t>
+            </a:r>
           </a:p>
         </p:txBody>
       </p:sp>
     </p:spTree>
     <p:extLst>
       <p:ext uri="{BB962C8B-B14F-4D97-AF65-F5344CB8AC3E}">
-        <p14:creationId xmlns:p14="http://schemas.microsoft.com/office/powerpoint/2010/main" val="3235018700"/>
+        <p14:creationId xmlns:p14="http://schemas.microsoft.com/office/powerpoint/2010/main" val="1170511420"/>
       </p:ext>
     </p:extLst>
   </p:cSld>
@@ -4176,7 +4296,7 @@
           <p:cNvPr id="2" name="Title 1">
             <a:extLst>
               <a:ext uri="{FF2B5EF4-FFF2-40B4-BE49-F238E27FC236}">
-                <a16:creationId xmlns:a16="http://schemas.microsoft.com/office/drawing/2014/main" id="{974BFA05-73DB-E943-B0A5-670FC66C6F3A}"/>
+                <a16:creationId xmlns:a16="http://schemas.microsoft.com/office/drawing/2014/main" id="{B7D44752-D4B0-034B-A9A8-B08009DEBA76}"/>
               </a:ext>
             </a:extLst>
           </p:cNvPr>
@@ -4194,7 +4314,7 @@
           <a:p>
             <a:r>
               <a:rPr lang="en-US" b="1" dirty="0"/>
-              <a:t>Examples of Supervised Learning</a:t>
+              <a:t>Generalization</a:t>
             </a:r>
             <a:endParaRPr lang="en-US" dirty="0"/>
           </a:p>
@@ -4205,7 +4325,7 @@
           <p:cNvPr id="3" name="Content Placeholder 2">
             <a:extLst>
               <a:ext uri="{FF2B5EF4-FFF2-40B4-BE49-F238E27FC236}">
-                <a16:creationId xmlns:a16="http://schemas.microsoft.com/office/drawing/2014/main" id="{8ADF72EE-49AE-6648-B983-563784BC02C6}"/>
+                <a16:creationId xmlns:a16="http://schemas.microsoft.com/office/drawing/2014/main" id="{04FC902E-90D6-5645-BE67-4BB4A80F0C56}"/>
               </a:ext>
             </a:extLst>
           </p:cNvPr>
@@ -4221,38 +4341,68 @@
           <a:bodyPr/>
           <a:lstStyle/>
           <a:p>
-            <a:pPr marL="0" indent="0">
-              <a:buNone/>
-            </a:pPr>
-            <a:r>
-              <a:rPr lang="en-US" dirty="0"/>
-              <a:t>spam detection</a:t>
-            </a:r>
-          </a:p>
-          <a:p>
-            <a:pPr marL="0" indent="0">
-              <a:buNone/>
-            </a:pPr>
-            <a:r>
-              <a:rPr lang="en-US" dirty="0"/>
-              <a:t>medical diagnosis</a:t>
-            </a:r>
-          </a:p>
-          <a:p>
-            <a:pPr marL="0" indent="0">
-              <a:buNone/>
-            </a:pPr>
-            <a:r>
-              <a:rPr lang="en-US" dirty="0"/>
-              <a:t>ad click prediction</a:t>
-            </a:r>
+            <a:r>
+              <a:rPr lang="en-US" dirty="0"/>
+              <a:t>Not only </a:t>
+            </a:r>
+            <a:r>
+              <a:rPr lang="en-US" i="1" dirty="0"/>
+              <a:t>f</a:t>
+            </a:r>
+            <a:r>
+              <a:rPr lang="en-US" dirty="0"/>
+              <a:t>(</a:t>
+            </a:r>
+            <a:r>
+              <a:rPr lang="en-US" i="1" dirty="0"/>
+              <a:t>xi</a:t>
+            </a:r>
+            <a:r>
+              <a:rPr lang="en-US" dirty="0"/>
+              <a:t>)≈</a:t>
+            </a:r>
+            <a:r>
+              <a:rPr lang="en-US" i="1" dirty="0" err="1"/>
+              <a:t>yi</a:t>
+            </a:r>
+            <a:endParaRPr lang="en-US" dirty="0"/>
+          </a:p>
+          <a:p>
+            <a:r>
+              <a:rPr lang="en-US" dirty="0"/>
+              <a:t>also for new data: </a:t>
+            </a:r>
+            <a:r>
+              <a:rPr lang="en-US" i="1" dirty="0"/>
+              <a:t>f</a:t>
+            </a:r>
+            <a:r>
+              <a:rPr lang="en-US" dirty="0"/>
+              <a:t>(</a:t>
+            </a:r>
+            <a:r>
+              <a:rPr lang="en-US" i="1" dirty="0"/>
+              <a:t>x</a:t>
+            </a:r>
+            <a:r>
+              <a:rPr lang="en-US" dirty="0"/>
+              <a:t>)≈</a:t>
+            </a:r>
+            <a:r>
+              <a:rPr lang="en-US" i="1" dirty="0"/>
+              <a:t>y</a:t>
+            </a:r>
+            <a:endParaRPr lang="en-US" dirty="0"/>
+          </a:p>
+          <a:p>
+            <a:endParaRPr lang="en-US" dirty="0"/>
           </a:p>
         </p:txBody>
       </p:sp>
     </p:spTree>
     <p:extLst>
       <p:ext uri="{BB962C8B-B14F-4D97-AF65-F5344CB8AC3E}">
-        <p14:creationId xmlns:p14="http://schemas.microsoft.com/office/powerpoint/2010/main" val="1170511420"/>
+        <p14:creationId xmlns:p14="http://schemas.microsoft.com/office/powerpoint/2010/main" val="3235018700"/>
       </p:ext>
     </p:extLst>
   </p:cSld>
@@ -4321,26 +4471,38 @@
             <a:spLocks noGrp="1"/>
           </p:cNvSpPr>
           <p:nvPr>
-            <p:ph idx="1"/>
-          </p:nvPr>
-        </p:nvSpPr>
-        <p:spPr/>
-        <p:txBody>
-          <a:bodyPr/>
-          <a:lstStyle/>
-          <a:p>
-            <a:pPr marL="0" indent="0">
-              <a:buNone/>
-            </a:pPr>
-            <a:endParaRPr lang="en-US" dirty="0"/>
-          </a:p>
-          <a:p>
-            <a:pPr marL="0" indent="0">
-              <a:buNone/>
-            </a:pPr>
+            <p:ph sz="half" idx="1"/>
+          </p:nvPr>
+        </p:nvSpPr>
+        <p:spPr/>
+        <p:txBody>
+          <a:bodyPr>
+            <a:normAutofit/>
+          </a:bodyPr>
+          <a:lstStyle/>
+          <a:p>
+            <a:r>
+              <a:rPr lang="en-US" dirty="0"/>
+              <a:t>Assign labels to data</a:t>
+            </a:r>
+          </a:p>
+          <a:p>
+            <a:r>
+              <a:rPr lang="en-US" dirty="0"/>
+              <a:t>Training data does not include labels; system must identify itself, or based on a simple parameter (e.g. number of clusters)</a:t>
+            </a:r>
+          </a:p>
+          <a:p>
+            <a:endParaRPr lang="en-US" i="1" dirty="0"/>
+          </a:p>
+          <a:p>
             <a:r>
               <a:rPr lang="en-US" i="1" dirty="0" err="1"/>
-              <a:t>xi</a:t>
+              <a:t>x</a:t>
+            </a:r>
+            <a:r>
+              <a:rPr lang="en-US" i="1" baseline="-25000" dirty="0" err="1"/>
+              <a:t>i</a:t>
             </a:r>
             <a:r>
               <a:rPr lang="en-US" dirty="0" err="1"/>
@@ -4372,15 +4534,6 @@
             </a:r>
           </a:p>
           <a:p>
-            <a:pPr marL="0" indent="0">
-              <a:buNone/>
-            </a:pPr>
-            <a:endParaRPr lang="en-US" dirty="0"/>
-          </a:p>
-          <a:p>
-            <a:pPr marL="0" indent="0">
-              <a:buNone/>
-            </a:pPr>
             <a:r>
               <a:rPr lang="en-US" dirty="0"/>
               <a:t>Learn about </a:t>
@@ -4393,6 +4546,33 @@
               <a:rPr lang="en-US" dirty="0"/>
               <a:t>.</a:t>
             </a:r>
+          </a:p>
+        </p:txBody>
+      </p:sp>
+      <p:sp>
+        <p:nvSpPr>
+          <p:cNvPr id="5" name="Content Placeholder 4">
+            <a:extLst>
+              <a:ext uri="{FF2B5EF4-FFF2-40B4-BE49-F238E27FC236}">
+                <a16:creationId xmlns:a16="http://schemas.microsoft.com/office/drawing/2014/main" id="{7272A63C-0D30-6D41-90D8-8FB30EDC2BD3}"/>
+              </a:ext>
+            </a:extLst>
+          </p:cNvPr>
+          <p:cNvSpPr>
+            <a:spLocks noGrp="1"/>
+          </p:cNvSpPr>
+          <p:nvPr>
+            <p:ph sz="half" idx="2"/>
+          </p:nvPr>
+        </p:nvSpPr>
+        <p:spPr/>
+        <p:txBody>
+          <a:bodyPr>
+            <a:normAutofit/>
+          </a:bodyPr>
+          <a:lstStyle/>
+          <a:p>
+            <a:endParaRPr lang="en-US"/>
           </a:p>
         </p:txBody>
       </p:sp>
@@ -4425,7 +4605,7 @@
         </p:blipFill>
         <p:spPr bwMode="auto">
           <a:xfrm>
-            <a:off x="5906588" y="1690688"/>
+            <a:off x="6096000" y="1623220"/>
             <a:ext cx="5447212" cy="4094488"/>
           </a:xfrm>
           <a:prstGeom prst="rect">
@@ -4623,64 +4803,50 @@
           <a:chExt cx="0" cy="0"/>
         </a:xfrm>
       </p:grpSpPr>
-      <p:sp>
-        <p:nvSpPr>
-          <p:cNvPr id="2" name="Title 1">
+      <p:pic>
+        <p:nvPicPr>
+          <p:cNvPr id="1026" name="Picture 2">
             <a:extLst>
               <a:ext uri="{FF2B5EF4-FFF2-40B4-BE49-F238E27FC236}">
-                <a16:creationId xmlns:a16="http://schemas.microsoft.com/office/drawing/2014/main" id="{1ACDDAAD-089F-AD48-8C09-05152674F0D5}"/>
+                <a16:creationId xmlns:a16="http://schemas.microsoft.com/office/drawing/2014/main" id="{BE9FC554-4BCC-F447-BE9E-EAA19206496A}"/>
               </a:ext>
             </a:extLst>
           </p:cNvPr>
-          <p:cNvSpPr>
-            <a:spLocks noGrp="1"/>
-          </p:cNvSpPr>
-          <p:nvPr>
-            <p:ph type="title"/>
-          </p:nvPr>
-        </p:nvSpPr>
-        <p:spPr/>
-        <p:txBody>
-          <a:bodyPr/>
-          <a:lstStyle/>
-          <a:p>
-            <a:r>
-              <a:rPr lang="en-US" b="1" dirty="0"/>
-              <a:t>Explore &amp; Learn</a:t>
-            </a:r>
-            <a:endParaRPr lang="en-US" dirty="0"/>
-          </a:p>
-        </p:txBody>
-      </p:sp>
-      <p:sp>
-        <p:nvSpPr>
-          <p:cNvPr id="3" name="Content Placeholder 2">
+          <p:cNvPicPr>
+            <a:picLocks noChangeAspect="1" noChangeArrowheads="1"/>
+          </p:cNvPicPr>
+          <p:nvPr/>
+        </p:nvPicPr>
+        <p:blipFill>
+          <a:blip r:embed="rId3">
             <a:extLst>
-              <a:ext uri="{FF2B5EF4-FFF2-40B4-BE49-F238E27FC236}">
-                <a16:creationId xmlns:a16="http://schemas.microsoft.com/office/drawing/2014/main" id="{0086F19A-9155-454B-8245-46E425396433}"/>
+              <a:ext uri="{28A0092B-C50C-407E-A947-70E740481C1C}">
+                <a14:useLocalDpi xmlns:a14="http://schemas.microsoft.com/office/drawing/2010/main" val="0"/>
               </a:ext>
             </a:extLst>
-          </p:cNvPr>
-          <p:cNvSpPr>
-            <a:spLocks noGrp="1"/>
-          </p:cNvSpPr>
-          <p:nvPr>
-            <p:ph idx="1"/>
-          </p:nvPr>
-        </p:nvSpPr>
-        <p:spPr/>
-        <p:txBody>
-          <a:bodyPr/>
-          <a:lstStyle/>
-          <a:p>
-            <a:endParaRPr lang="en-US"/>
-          </a:p>
-        </p:txBody>
-      </p:sp>
+          </a:blip>
+          <a:srcRect/>
+          <a:stretch>
+            <a:fillRect/>
+          </a:stretch>
+        </p:blipFill>
+        <p:spPr bwMode="auto">
+          <a:xfrm>
+            <a:off x="1953030" y="0"/>
+            <a:ext cx="8285940" cy="5929313"/>
+          </a:xfrm>
+          <a:prstGeom prst="rect">
+            <a:avLst/>
+          </a:prstGeom>
+          <a:solidFill>
+            <a:schemeClr val="tx1"/>
+          </a:solidFill>
+        </p:spPr>
+      </p:pic>
     </p:spTree>
     <p:extLst>
       <p:ext uri="{BB962C8B-B14F-4D97-AF65-F5344CB8AC3E}">
-        <p14:creationId xmlns:p14="http://schemas.microsoft.com/office/powerpoint/2010/main" val="227884676"/>
+        <p14:creationId xmlns:p14="http://schemas.microsoft.com/office/powerpoint/2010/main" val="3165067445"/>
       </p:ext>
     </p:extLst>
   </p:cSld>
@@ -4712,7 +4878,7 @@
           <p:cNvPr id="2" name="Title 1">
             <a:extLst>
               <a:ext uri="{FF2B5EF4-FFF2-40B4-BE49-F238E27FC236}">
-                <a16:creationId xmlns:a16="http://schemas.microsoft.com/office/drawing/2014/main" id="{1CBF785A-C78D-484A-B25C-1F0CC4C5DDB0}"/>
+                <a16:creationId xmlns:a16="http://schemas.microsoft.com/office/drawing/2014/main" id="{868EF43A-6157-BD4C-93FC-9D1DFB8EBF7A}"/>
               </a:ext>
             </a:extLst>
           </p:cNvPr>
@@ -4729,10 +4895,9 @@
           <a:lstStyle/>
           <a:p>
             <a:r>
-              <a:rPr lang="en-US" b="1" dirty="0"/>
-              <a:t>Other kinds of learning</a:t>
-            </a:r>
-            <a:endParaRPr lang="en-US" dirty="0"/>
+              <a:rPr lang="en-US" dirty="0"/>
+              <a:t>Turn to your neighbors</a:t>
+            </a:r>
           </a:p>
         </p:txBody>
       </p:sp>
@@ -4741,7 +4906,7 @@
           <p:cNvPr id="3" name="Content Placeholder 2">
             <a:extLst>
               <a:ext uri="{FF2B5EF4-FFF2-40B4-BE49-F238E27FC236}">
-                <a16:creationId xmlns:a16="http://schemas.microsoft.com/office/drawing/2014/main" id="{997DA5F1-1896-9342-8DBF-1DECAE21EFF1}"/>
+                <a16:creationId xmlns:a16="http://schemas.microsoft.com/office/drawing/2014/main" id="{BA30244E-1822-AF4A-BA91-C218575DA3B8}"/>
               </a:ext>
             </a:extLst>
           </p:cNvPr>
@@ -4749,99 +4914,96 @@
             <a:spLocks noGrp="1"/>
           </p:cNvSpPr>
           <p:nvPr>
-            <p:ph idx="1"/>
-          </p:nvPr>
-        </p:nvSpPr>
-        <p:spPr/>
-        <p:txBody>
-          <a:bodyPr/>
-          <a:lstStyle/>
-          <a:p>
-            <a:r>
-              <a:rPr lang="en-US" dirty="0"/>
-              <a:t>Semi-supervised</a:t>
-            </a:r>
-          </a:p>
-          <a:p>
-            <a:r>
-              <a:rPr lang="en-US" dirty="0"/>
-              <a:t>Active Learning</a:t>
-            </a:r>
-          </a:p>
-          <a:p>
-            <a:r>
-              <a:rPr lang="en-US" dirty="0"/>
-              <a:t>Forecasting</a:t>
-            </a:r>
-          </a:p>
-          <a:p>
-            <a:r>
-              <a:rPr lang="en-US" dirty="0"/>
-              <a:t>…</a:t>
-            </a:r>
-          </a:p>
-          <a:p>
-            <a:pPr marL="0" indent="0">
-              <a:buNone/>
-            </a:pPr>
+            <p:ph sz="half" idx="1"/>
+          </p:nvPr>
+        </p:nvSpPr>
+        <p:spPr/>
+        <p:txBody>
+          <a:bodyPr>
+            <a:normAutofit/>
+          </a:bodyPr>
+          <a:lstStyle/>
+          <a:p>
+            <a:r>
+              <a:rPr lang="en-US" dirty="0"/>
+              <a:t>As a table, come up with one example each of a problem that could be solved with:</a:t>
+            </a:r>
+          </a:p>
+          <a:p>
+            <a:pPr lvl="1"/>
+            <a:r>
+              <a:rPr lang="en-US" dirty="0"/>
+              <a:t>Supervised learning</a:t>
+            </a:r>
+          </a:p>
+          <a:p>
+            <a:pPr lvl="1"/>
+            <a:r>
+              <a:rPr lang="en-US" dirty="0"/>
+              <a:t>Unsupervised learning</a:t>
+            </a:r>
+          </a:p>
+          <a:p>
+            <a:pPr lvl="1"/>
+            <a:r>
+              <a:rPr lang="en-US" dirty="0"/>
+              <a:t>Reinforcement learning</a:t>
+            </a:r>
+          </a:p>
+          <a:p>
+            <a:endParaRPr lang="en-US" dirty="0"/>
+          </a:p>
+          <a:p>
+            <a:r>
+              <a:rPr lang="en-US" dirty="0"/>
+              <a:t>What data would you need</a:t>
+            </a:r>
+          </a:p>
+          <a:p>
+            <a:pPr lvl="1"/>
+            <a:endParaRPr lang="en-US" dirty="0"/>
+          </a:p>
+          <a:p>
             <a:endParaRPr lang="en-US" dirty="0"/>
           </a:p>
         </p:txBody>
       </p:sp>
       <p:pic>
         <p:nvPicPr>
-          <p:cNvPr id="1026" name="Picture 2" descr="Image result for types of deep learning&quot;">
-            <a:hlinkClick r:id="rId2"/>
+          <p:cNvPr id="13" name="Picture 12">
             <a:extLst>
               <a:ext uri="{FF2B5EF4-FFF2-40B4-BE49-F238E27FC236}">
-                <a16:creationId xmlns:a16="http://schemas.microsoft.com/office/drawing/2014/main" id="{DA7BA2D2-9CA8-874F-8A41-BE563C709916}"/>
+                <a16:creationId xmlns:a16="http://schemas.microsoft.com/office/drawing/2014/main" id="{5B18DF69-80CC-814E-B43E-5D97496A2D4E}"/>
               </a:ext>
             </a:extLst>
           </p:cNvPr>
           <p:cNvPicPr>
-            <a:picLocks noChangeAspect="1" noChangeArrowheads="1"/>
+            <a:picLocks noChangeAspect="1"/>
           </p:cNvPicPr>
           <p:nvPr/>
         </p:nvPicPr>
         <p:blipFill>
-          <a:blip r:embed="rId3">
-            <a:extLst>
-              <a:ext uri="{28A0092B-C50C-407E-A947-70E740481C1C}">
-                <a14:useLocalDpi xmlns:a14="http://schemas.microsoft.com/office/drawing/2010/main" val="0"/>
-              </a:ext>
-            </a:extLst>
-          </a:blip>
-          <a:srcRect/>
+          <a:blip r:embed="rId2"/>
           <a:stretch>
             <a:fillRect/>
           </a:stretch>
         </p:blipFill>
-        <p:spPr bwMode="auto">
+        <p:spPr>
           <a:xfrm>
-            <a:off x="6411550" y="1825950"/>
-            <a:ext cx="4822507" cy="3206099"/>
+            <a:off x="6776544" y="1271751"/>
+            <a:ext cx="4818993" cy="4818993"/>
           </a:xfrm>
           <a:prstGeom prst="rect">
             <a:avLst/>
           </a:prstGeom>
-          <a:noFill/>
-          <a:extLst>
-            <a:ext uri="{909E8E84-426E-40DD-AFC4-6F175D3DCCD1}">
-              <a14:hiddenFill xmlns:a14="http://schemas.microsoft.com/office/drawing/2010/main">
-                <a:solidFill>
-                  <a:srgbClr val="FFFFFF"/>
-                </a:solidFill>
-              </a14:hiddenFill>
-            </a:ext>
-          </a:extLst>
         </p:spPr>
       </p:pic>
       <p:sp>
         <p:nvSpPr>
-          <p:cNvPr id="4" name="Rectangle 3">
+          <p:cNvPr id="15" name="Rectangle 14">
             <a:extLst>
               <a:ext uri="{FF2B5EF4-FFF2-40B4-BE49-F238E27FC236}">
-                <a16:creationId xmlns:a16="http://schemas.microsoft.com/office/drawing/2014/main" id="{3E4375EA-EB09-2949-BD66-4C47D78A0412}"/>
+                <a16:creationId xmlns:a16="http://schemas.microsoft.com/office/drawing/2014/main" id="{3042F266-B7C3-5544-B65C-502742DCFED7}"/>
               </a:ext>
             </a:extLst>
           </p:cNvPr>
@@ -4850,8 +5012,8 @@
         </p:nvSpPr>
         <p:spPr>
           <a:xfrm>
-            <a:off x="6096000" y="5419840"/>
-            <a:ext cx="5651034" cy="369332"/>
+            <a:off x="8509308" y="6255399"/>
+            <a:ext cx="3086229" cy="276999"/>
           </a:xfrm>
           <a:prstGeom prst="rect">
             <a:avLst/>
@@ -4864,37 +5026,33 @@
           <a:lstStyle/>
           <a:p>
             <a:r>
-              <a:rPr lang="en-US" dirty="0"/>
-              <a:t>https://</a:t>
-            </a:r>
-            <a:r>
-              <a:rPr lang="en-US" dirty="0" err="1"/>
-              <a:t>apmonitor.com</a:t>
-            </a:r>
-            <a:r>
-              <a:rPr lang="en-US" dirty="0"/>
-              <a:t>/do/</a:t>
-            </a:r>
-            <a:r>
-              <a:rPr lang="en-US" dirty="0" err="1"/>
-              <a:t>index.php</a:t>
-            </a:r>
-            <a:r>
-              <a:rPr lang="en-US" dirty="0"/>
-              <a:t>/Main/</a:t>
-            </a:r>
-            <a:r>
-              <a:rPr lang="en-US" dirty="0" err="1"/>
-              <a:t>DeepLearning</a:t>
-            </a:r>
-            <a:endParaRPr lang="en-US" dirty="0"/>
+              <a:rPr lang="en-US" sz="1200" dirty="0"/>
+              <a:t>Icons made by </a:t>
+            </a:r>
+            <a:r>
+              <a:rPr lang="en-US" sz="1200" dirty="0">
+                <a:hlinkClick r:id="rId3" tooltip="Freepik"/>
+              </a:rPr>
+              <a:t>Freepik</a:t>
+            </a:r>
+            <a:r>
+              <a:rPr lang="en-US" sz="1200" dirty="0"/>
+              <a:t> from </a:t>
+            </a:r>
+            <a:r>
+              <a:rPr lang="en-US" sz="1200" dirty="0">
+                <a:hlinkClick r:id="rId4" tooltip="Flaticon"/>
+              </a:rPr>
+              <a:t>www.flaticon.com</a:t>
+            </a:r>
+            <a:endParaRPr lang="en-US" sz="1200" dirty="0"/>
           </a:p>
         </p:txBody>
       </p:sp>
     </p:spTree>
     <p:extLst>
       <p:ext uri="{BB962C8B-B14F-4D97-AF65-F5344CB8AC3E}">
-        <p14:creationId xmlns:p14="http://schemas.microsoft.com/office/powerpoint/2010/main" val="1917362701"/>
+        <p14:creationId xmlns:p14="http://schemas.microsoft.com/office/powerpoint/2010/main" val="1700480662"/>
       </p:ext>
     </p:extLst>
   </p:cSld>
@@ -4968,7 +5126,7 @@
         <p:spPr/>
         <p:txBody>
           <a:bodyPr>
-            <a:normAutofit lnSpcReduction="10000"/>
+            <a:normAutofit/>
           </a:bodyPr>
           <a:lstStyle/>
           <a:p>
@@ -4981,7 +5139,7 @@
             </a:r>
             <a:r>
               <a:rPr lang="en-US" dirty="0"/>
-              <a:t>data science, computational social science, academic libraries (Cornell University, University of Michigan)</a:t>
+              <a:t>data science in academic libraries (Cornell University, University of Michigan)</a:t>
             </a:r>
           </a:p>
           <a:p>
@@ -5000,40 +5158,16 @@
             </a:r>
             <a:r>
               <a:rPr lang="en-US" dirty="0"/>
-              <a:t>data visualization pedagogy; FOSS; LGBTQIA+ online communities</a:t>
-            </a:r>
-          </a:p>
-          <a:p>
-            <a:pPr marL="0" indent="0">
-              <a:buNone/>
-            </a:pPr>
-            <a:endParaRPr lang="en-US" b="1" dirty="0"/>
-          </a:p>
-          <a:p>
-            <a:pPr marL="0" indent="0">
-              <a:buNone/>
-            </a:pPr>
+              <a:t>critical</a:t>
+            </a:r>
             <a:r>
               <a:rPr lang="en-US" b="1" dirty="0"/>
-              <a:t>ALSO: </a:t>
-            </a:r>
-            <a:r>
-              <a:rPr lang="en-US" dirty="0"/>
-              <a:t>pinball, cats, trains, games</a:t>
-            </a:r>
-            <a:endParaRPr lang="en-US" b="1" dirty="0"/>
-          </a:p>
-          <a:p>
-            <a:pPr marL="0" indent="0">
-              <a:buNone/>
-            </a:pPr>
-            <a:endParaRPr lang="en-US" b="1" dirty="0"/>
-          </a:p>
-          <a:p>
-            <a:pPr marL="0" indent="0">
-              <a:buNone/>
-            </a:pPr>
-            <a:endParaRPr lang="en-US" dirty="0"/>
+              <a:t> </a:t>
+            </a:r>
+            <a:r>
+              <a:rPr lang="en-US" dirty="0"/>
+              <a:t>data science pedagogy; open source collaboration; reproducibility</a:t>
+            </a:r>
           </a:p>
         </p:txBody>
       </p:sp>
@@ -5061,7 +5195,7 @@
         </p:spPr>
         <p:txBody>
           <a:bodyPr>
-            <a:normAutofit lnSpcReduction="10000"/>
+            <a:normAutofit/>
           </a:bodyPr>
           <a:lstStyle/>
           <a:p>
@@ -5177,7 +5311,7 @@
           <p:cNvPr id="2" name="Title 1">
             <a:extLst>
               <a:ext uri="{FF2B5EF4-FFF2-40B4-BE49-F238E27FC236}">
-                <a16:creationId xmlns:a16="http://schemas.microsoft.com/office/drawing/2014/main" id="{4BEEBC8D-2DCE-AB40-9527-ED31FF9DC5E1}"/>
+                <a16:creationId xmlns:a16="http://schemas.microsoft.com/office/drawing/2014/main" id="{1CBF785A-C78D-484A-B25C-1F0CC4C5DDB0}"/>
               </a:ext>
             </a:extLst>
           </p:cNvPr>
@@ -5193,7 +5327,11 @@
           <a:bodyPr/>
           <a:lstStyle/>
           <a:p>
-            <a:endParaRPr lang="en-US"/>
+            <a:r>
+              <a:rPr lang="en-US" b="1" dirty="0"/>
+              <a:t>Other kinds of learning</a:t>
+            </a:r>
+            <a:endParaRPr lang="en-US" dirty="0"/>
           </a:p>
         </p:txBody>
       </p:sp>
@@ -5202,7 +5340,7 @@
           <p:cNvPr id="3" name="Content Placeholder 2">
             <a:extLst>
               <a:ext uri="{FF2B5EF4-FFF2-40B4-BE49-F238E27FC236}">
-                <a16:creationId xmlns:a16="http://schemas.microsoft.com/office/drawing/2014/main" id="{C75672F5-95E6-BD40-9E0F-CEEB973F3EC0}"/>
+                <a16:creationId xmlns:a16="http://schemas.microsoft.com/office/drawing/2014/main" id="{997DA5F1-1896-9342-8DBF-1DECAE21EFF1}"/>
               </a:ext>
             </a:extLst>
           </p:cNvPr>
@@ -5218,14 +5356,144 @@
           <a:bodyPr/>
           <a:lstStyle/>
           <a:p>
-            <a:endParaRPr lang="en-US"/>
+            <a:r>
+              <a:rPr lang="en-US" dirty="0"/>
+              <a:t>Semi-supervised</a:t>
+            </a:r>
+          </a:p>
+          <a:p>
+            <a:r>
+              <a:rPr lang="en-US" dirty="0"/>
+              <a:t>Active Learning</a:t>
+            </a:r>
+          </a:p>
+          <a:p>
+            <a:r>
+              <a:rPr lang="en-US" dirty="0"/>
+              <a:t>Forecasting</a:t>
+            </a:r>
+          </a:p>
+          <a:p>
+            <a:r>
+              <a:rPr lang="en-US" dirty="0"/>
+              <a:t>…</a:t>
+            </a:r>
+          </a:p>
+          <a:p>
+            <a:pPr marL="0" indent="0">
+              <a:buNone/>
+            </a:pPr>
+            <a:endParaRPr lang="en-US" dirty="0"/>
+          </a:p>
+        </p:txBody>
+      </p:sp>
+      <p:pic>
+        <p:nvPicPr>
+          <p:cNvPr id="1026" name="Picture 2" descr="Image result for types of deep learning&quot;">
+            <a:hlinkClick r:id="rId2"/>
+            <a:extLst>
+              <a:ext uri="{FF2B5EF4-FFF2-40B4-BE49-F238E27FC236}">
+                <a16:creationId xmlns:a16="http://schemas.microsoft.com/office/drawing/2014/main" id="{DA7BA2D2-9CA8-874F-8A41-BE563C709916}"/>
+              </a:ext>
+            </a:extLst>
+          </p:cNvPr>
+          <p:cNvPicPr>
+            <a:picLocks noChangeAspect="1" noChangeArrowheads="1"/>
+          </p:cNvPicPr>
+          <p:nvPr/>
+        </p:nvPicPr>
+        <p:blipFill>
+          <a:blip r:embed="rId3">
+            <a:extLst>
+              <a:ext uri="{28A0092B-C50C-407E-A947-70E740481C1C}">
+                <a14:useLocalDpi xmlns:a14="http://schemas.microsoft.com/office/drawing/2010/main" val="0"/>
+              </a:ext>
+            </a:extLst>
+          </a:blip>
+          <a:srcRect/>
+          <a:stretch>
+            <a:fillRect/>
+          </a:stretch>
+        </p:blipFill>
+        <p:spPr bwMode="auto">
+          <a:xfrm>
+            <a:off x="6411550" y="1825950"/>
+            <a:ext cx="4822507" cy="3206099"/>
+          </a:xfrm>
+          <a:prstGeom prst="rect">
+            <a:avLst/>
+          </a:prstGeom>
+          <a:noFill/>
+          <a:extLst>
+            <a:ext uri="{909E8E84-426E-40DD-AFC4-6F175D3DCCD1}">
+              <a14:hiddenFill xmlns:a14="http://schemas.microsoft.com/office/drawing/2010/main">
+                <a:solidFill>
+                  <a:srgbClr val="FFFFFF"/>
+                </a:solidFill>
+              </a14:hiddenFill>
+            </a:ext>
+          </a:extLst>
+        </p:spPr>
+      </p:pic>
+      <p:sp>
+        <p:nvSpPr>
+          <p:cNvPr id="4" name="Rectangle 3">
+            <a:extLst>
+              <a:ext uri="{FF2B5EF4-FFF2-40B4-BE49-F238E27FC236}">
+                <a16:creationId xmlns:a16="http://schemas.microsoft.com/office/drawing/2014/main" id="{3E4375EA-EB09-2949-BD66-4C47D78A0412}"/>
+              </a:ext>
+            </a:extLst>
+          </p:cNvPr>
+          <p:cNvSpPr/>
+          <p:nvPr/>
+        </p:nvSpPr>
+        <p:spPr>
+          <a:xfrm>
+            <a:off x="6096000" y="5419840"/>
+            <a:ext cx="5651034" cy="369332"/>
+          </a:xfrm>
+          <a:prstGeom prst="rect">
+            <a:avLst/>
+          </a:prstGeom>
+        </p:spPr>
+        <p:txBody>
+          <a:bodyPr wrap="none">
+            <a:spAutoFit/>
+          </a:bodyPr>
+          <a:lstStyle/>
+          <a:p>
+            <a:r>
+              <a:rPr lang="en-US" dirty="0"/>
+              <a:t>https://</a:t>
+            </a:r>
+            <a:r>
+              <a:rPr lang="en-US" dirty="0" err="1"/>
+              <a:t>apmonitor.com</a:t>
+            </a:r>
+            <a:r>
+              <a:rPr lang="en-US" dirty="0"/>
+              <a:t>/do/</a:t>
+            </a:r>
+            <a:r>
+              <a:rPr lang="en-US" dirty="0" err="1"/>
+              <a:t>index.php</a:t>
+            </a:r>
+            <a:r>
+              <a:rPr lang="en-US" dirty="0"/>
+              <a:t>/Main/</a:t>
+            </a:r>
+            <a:r>
+              <a:rPr lang="en-US" dirty="0" err="1"/>
+              <a:t>DeepLearning</a:t>
+            </a:r>
+            <a:endParaRPr lang="en-US" dirty="0"/>
           </a:p>
         </p:txBody>
       </p:sp>
     </p:spTree>
     <p:extLst>
       <p:ext uri="{BB962C8B-B14F-4D97-AF65-F5344CB8AC3E}">
-        <p14:creationId xmlns:p14="http://schemas.microsoft.com/office/powerpoint/2010/main" val="3414485857"/>
+        <p14:creationId xmlns:p14="http://schemas.microsoft.com/office/powerpoint/2010/main" val="1917362701"/>
       </p:ext>
     </p:extLst>
   </p:cSld>
@@ -5257,7 +5525,7 @@
           <p:cNvPr id="2" name="Title 1">
             <a:extLst>
               <a:ext uri="{FF2B5EF4-FFF2-40B4-BE49-F238E27FC236}">
-                <a16:creationId xmlns:a16="http://schemas.microsoft.com/office/drawing/2014/main" id="{55DED8B0-FAC9-7842-9462-D8D2B735510C}"/>
+                <a16:creationId xmlns:a16="http://schemas.microsoft.com/office/drawing/2014/main" id="{4BEEBC8D-2DCE-AB40-9527-ED31FF9DC5E1}"/>
               </a:ext>
             </a:extLst>
           </p:cNvPr>
@@ -5273,14 +5541,7 @@
           <a:bodyPr/>
           <a:lstStyle/>
           <a:p>
-            <a:r>
-              <a:rPr lang="en-US" b="1" dirty="0"/>
-              <a:t>Classification and Regression</a:t>
-            </a:r>
-            <a:br>
-              <a:rPr lang="en-US" b="1" dirty="0"/>
-            </a:br>
-            <a:endParaRPr lang="en-US" dirty="0"/>
+            <a:endParaRPr lang="en-US"/>
           </a:p>
         </p:txBody>
       </p:sp>
@@ -5289,7 +5550,7 @@
           <p:cNvPr id="3" name="Content Placeholder 2">
             <a:extLst>
               <a:ext uri="{FF2B5EF4-FFF2-40B4-BE49-F238E27FC236}">
-                <a16:creationId xmlns:a16="http://schemas.microsoft.com/office/drawing/2014/main" id="{B5007C90-FD33-504E-B405-2971296BDF3F}"/>
+                <a16:creationId xmlns:a16="http://schemas.microsoft.com/office/drawing/2014/main" id="{C75672F5-95E6-BD40-9E0F-CEEB973F3EC0}"/>
               </a:ext>
             </a:extLst>
           </p:cNvPr>
@@ -5305,62 +5566,14 @@
           <a:bodyPr/>
           <a:lstStyle/>
           <a:p>
-            <a:pPr marL="0" indent="0">
-              <a:buNone/>
-            </a:pPr>
-            <a:r>
-              <a:rPr lang="en-US" b="1" dirty="0"/>
-              <a:t>Classification</a:t>
-            </a:r>
-          </a:p>
-          <a:p>
-            <a:r>
-              <a:rPr lang="en-US" dirty="0"/>
-              <a:t>target y discrete</a:t>
-            </a:r>
-          </a:p>
-          <a:p>
-            <a:r>
-              <a:rPr lang="en-US" dirty="0"/>
-              <a:t>Will you pass?</a:t>
-            </a:r>
-          </a:p>
-          <a:p>
-            <a:pPr marL="0" indent="0">
-              <a:buNone/>
-            </a:pPr>
-            <a:endParaRPr lang="en-US" b="1" dirty="0"/>
-          </a:p>
-          <a:p>
-            <a:pPr marL="0" indent="0">
-              <a:buNone/>
-            </a:pPr>
-            <a:r>
-              <a:rPr lang="en-US" b="1" dirty="0"/>
-              <a:t>Regression</a:t>
-            </a:r>
-          </a:p>
-          <a:p>
-            <a:r>
-              <a:rPr lang="en-US" dirty="0"/>
-              <a:t>target y continuous</a:t>
-            </a:r>
-          </a:p>
-          <a:p>
-            <a:r>
-              <a:rPr lang="en-US" dirty="0"/>
-              <a:t>How many points will you get in the exam?</a:t>
-            </a:r>
-          </a:p>
-          <a:p>
-            <a:endParaRPr lang="en-US" dirty="0"/>
+            <a:endParaRPr lang="en-US"/>
           </a:p>
         </p:txBody>
       </p:sp>
     </p:spTree>
     <p:extLst>
       <p:ext uri="{BB962C8B-B14F-4D97-AF65-F5344CB8AC3E}">
-        <p14:creationId xmlns:p14="http://schemas.microsoft.com/office/powerpoint/2010/main" val="172070159"/>
+        <p14:creationId xmlns:p14="http://schemas.microsoft.com/office/powerpoint/2010/main" val="3414485857"/>
       </p:ext>
     </p:extLst>
   </p:cSld>
@@ -5392,7 +5605,7 @@
           <p:cNvPr id="2" name="Title 1">
             <a:extLst>
               <a:ext uri="{FF2B5EF4-FFF2-40B4-BE49-F238E27FC236}">
-                <a16:creationId xmlns:a16="http://schemas.microsoft.com/office/drawing/2014/main" id="{2BA8618D-2CD1-2645-BED4-5C7ED1B971B6}"/>
+                <a16:creationId xmlns:a16="http://schemas.microsoft.com/office/drawing/2014/main" id="{55DED8B0-FAC9-7842-9462-D8D2B735510C}"/>
               </a:ext>
             </a:extLst>
           </p:cNvPr>
@@ -5408,7 +5621,14 @@
           <a:bodyPr/>
           <a:lstStyle/>
           <a:p>
-            <a:endParaRPr lang="en-US"/>
+            <a:r>
+              <a:rPr lang="en-US" b="1" dirty="0"/>
+              <a:t>Classification and Regression</a:t>
+            </a:r>
+            <a:br>
+              <a:rPr lang="en-US" b="1" dirty="0"/>
+            </a:br>
+            <a:endParaRPr lang="en-US" dirty="0"/>
           </a:p>
         </p:txBody>
       </p:sp>
@@ -5417,7 +5637,7 @@
           <p:cNvPr id="3" name="Content Placeholder 2">
             <a:extLst>
               <a:ext uri="{FF2B5EF4-FFF2-40B4-BE49-F238E27FC236}">
-                <a16:creationId xmlns:a16="http://schemas.microsoft.com/office/drawing/2014/main" id="{E8AEF880-053C-7F4A-B18F-79FB40CAD046}"/>
+                <a16:creationId xmlns:a16="http://schemas.microsoft.com/office/drawing/2014/main" id="{B5007C90-FD33-504E-B405-2971296BDF3F}"/>
               </a:ext>
             </a:extLst>
           </p:cNvPr>
@@ -5433,61 +5653,62 @@
           <a:bodyPr/>
           <a:lstStyle/>
           <a:p>
-            <a:endParaRPr lang="en-US"/>
-          </a:p>
-        </p:txBody>
-      </p:sp>
-      <p:pic>
-        <p:nvPicPr>
-          <p:cNvPr id="3074" name="Picture 2">
-            <a:extLst>
-              <a:ext uri="{FF2B5EF4-FFF2-40B4-BE49-F238E27FC236}">
-                <a16:creationId xmlns:a16="http://schemas.microsoft.com/office/drawing/2014/main" id="{63C2B8D3-4278-8743-A3FD-9E7312A58F84}"/>
-              </a:ext>
-            </a:extLst>
-          </p:cNvPr>
-          <p:cNvPicPr>
-            <a:picLocks noChangeAspect="1" noChangeArrowheads="1"/>
-          </p:cNvPicPr>
-          <p:nvPr/>
-        </p:nvPicPr>
-        <p:blipFill>
-          <a:blip r:embed="rId3">
-            <a:extLst>
-              <a:ext uri="{28A0092B-C50C-407E-A947-70E740481C1C}">
-                <a14:useLocalDpi xmlns:a14="http://schemas.microsoft.com/office/drawing/2010/main" val="0"/>
-              </a:ext>
-            </a:extLst>
-          </a:blip>
-          <a:srcRect/>
-          <a:stretch>
-            <a:fillRect/>
-          </a:stretch>
-        </p:blipFill>
-        <p:spPr bwMode="auto">
-          <a:xfrm>
-            <a:off x="635000" y="0"/>
-            <a:ext cx="10920413" cy="6858000"/>
-          </a:xfrm>
-          <a:prstGeom prst="rect">
-            <a:avLst/>
-          </a:prstGeom>
-          <a:noFill/>
-          <a:extLst>
-            <a:ext uri="{909E8E84-426E-40DD-AFC4-6F175D3DCCD1}">
-              <a14:hiddenFill xmlns:a14="http://schemas.microsoft.com/office/drawing/2010/main">
-                <a:solidFill>
-                  <a:srgbClr val="FFFFFF"/>
-                </a:solidFill>
-              </a14:hiddenFill>
-            </a:ext>
-          </a:extLst>
-        </p:spPr>
-      </p:pic>
+            <a:pPr marL="0" indent="0">
+              <a:buNone/>
+            </a:pPr>
+            <a:r>
+              <a:rPr lang="en-US" b="1" dirty="0"/>
+              <a:t>Classification</a:t>
+            </a:r>
+          </a:p>
+          <a:p>
+            <a:r>
+              <a:rPr lang="en-US" dirty="0"/>
+              <a:t>target y discrete</a:t>
+            </a:r>
+          </a:p>
+          <a:p>
+            <a:r>
+              <a:rPr lang="en-US" dirty="0"/>
+              <a:t>Will you pass?</a:t>
+            </a:r>
+          </a:p>
+          <a:p>
+            <a:pPr marL="0" indent="0">
+              <a:buNone/>
+            </a:pPr>
+            <a:endParaRPr lang="en-US" b="1" dirty="0"/>
+          </a:p>
+          <a:p>
+            <a:pPr marL="0" indent="0">
+              <a:buNone/>
+            </a:pPr>
+            <a:r>
+              <a:rPr lang="en-US" b="1" dirty="0"/>
+              <a:t>Regression</a:t>
+            </a:r>
+          </a:p>
+          <a:p>
+            <a:r>
+              <a:rPr lang="en-US" dirty="0"/>
+              <a:t>target y continuous</a:t>
+            </a:r>
+          </a:p>
+          <a:p>
+            <a:r>
+              <a:rPr lang="en-US" dirty="0"/>
+              <a:t>How many points will you get in the exam?</a:t>
+            </a:r>
+          </a:p>
+          <a:p>
+            <a:endParaRPr lang="en-US" dirty="0"/>
+          </a:p>
+        </p:txBody>
+      </p:sp>
     </p:spTree>
     <p:extLst>
       <p:ext uri="{BB962C8B-B14F-4D97-AF65-F5344CB8AC3E}">
-        <p14:creationId xmlns:p14="http://schemas.microsoft.com/office/powerpoint/2010/main" val="3165067445"/>
+        <p14:creationId xmlns:p14="http://schemas.microsoft.com/office/powerpoint/2010/main" val="172070159"/>
       </p:ext>
     </p:extLst>
   </p:cSld>
@@ -6161,7 +6382,7 @@
             </a:pPr>
             <a:r>
               <a:rPr lang="en-US" b="1" dirty="0"/>
-              <a:t>Hands-on Notebook for Classification Pipeline:</a:t>
+              <a:t>Hands-on Notebooks, Part One and Two:</a:t>
             </a:r>
             <a:r>
               <a:rPr lang="en-US" dirty="0"/>
@@ -6255,7 +6476,7 @@
           <a:p>
             <a:r>
               <a:rPr lang="en-US" dirty="0"/>
-              <a:t>Machine Learning with METACHOP</a:t>
+              <a:t>TAKEAWAYS</a:t>
             </a:r>
           </a:p>
         </p:txBody>
@@ -6283,7 +6504,7 @@
           <a:p>
             <a:r>
               <a:rPr lang="en-US" dirty="0"/>
-              <a:t>Reasoning about applying machine learning to research questions</a:t>
+              <a:t>Critically apply machine learning methods to research questions</a:t>
             </a:r>
           </a:p>
           <a:p>
@@ -6292,7 +6513,15 @@
           <a:p>
             <a:r>
               <a:rPr lang="en-US" dirty="0"/>
-              <a:t>Develop a reusable pipeline for future analysis</a:t>
+              <a:t>Develop + iterate a classification pipeline (using </a:t>
+            </a:r>
+            <a:r>
+              <a:rPr lang="en-US" dirty="0" err="1"/>
+              <a:t>scikit</a:t>
+            </a:r>
+            <a:r>
+              <a:rPr lang="en-US" dirty="0"/>
+              <a:t>-learn)</a:t>
             </a:r>
           </a:p>
           <a:p>
@@ -6301,7 +6530,7 @@
           <a:p>
             <a:r>
               <a:rPr lang="en-US" dirty="0"/>
-              <a:t>Find peers, colleagues, collaborators, co-learners</a:t>
+              <a:t>Find peers, colleagues, collaborators, co-learners </a:t>
             </a:r>
           </a:p>
         </p:txBody>
@@ -6651,10 +6880,10 @@
       </p:grpSpPr>
       <p:sp>
         <p:nvSpPr>
-          <p:cNvPr id="4" name="Title 3">
+          <p:cNvPr id="2" name="Title 1">
             <a:extLst>
               <a:ext uri="{FF2B5EF4-FFF2-40B4-BE49-F238E27FC236}">
-                <a16:creationId xmlns:a16="http://schemas.microsoft.com/office/drawing/2014/main" id="{32298111-D650-654E-AFD5-F47045F56256}"/>
+                <a16:creationId xmlns:a16="http://schemas.microsoft.com/office/drawing/2014/main" id="{D9BD73E6-B282-A445-A169-08658BDB53AB}"/>
               </a:ext>
             </a:extLst>
           </p:cNvPr>
@@ -6670,7 +6899,10 @@
           <a:bodyPr/>
           <a:lstStyle/>
           <a:p>
-            <a:endParaRPr lang="en-US"/>
+            <a:r>
+              <a:rPr lang="en-US" dirty="0"/>
+              <a:t>What is machine learning?</a:t>
+            </a:r>
           </a:p>
         </p:txBody>
       </p:sp>
@@ -6697,7 +6929,7 @@
           <a:p>
             <a:r>
               <a:rPr lang="en-US" dirty="0"/>
-              <a:t>Building models from data</a:t>
+              <a:t>Generalizing from observed data to new, previously unobserved data (e.g. future observations, new datasets in problem domain)</a:t>
             </a:r>
           </a:p>
           <a:p>
@@ -6706,25 +6938,8 @@
           <a:p>
             <a:r>
               <a:rPr lang="en-US" dirty="0"/>
-              <a:t>Generalizing from observed data to new, previously unobserved data (e.g. </a:t>
-            </a:r>
-            <a:r>
-              <a:rPr lang="en-US"/>
-              <a:t>future observations, new datasets in problem domain)</a:t>
-            </a:r>
-            <a:endParaRPr lang="en-US" dirty="0"/>
-          </a:p>
-          <a:p>
-            <a:endParaRPr lang="en-US" dirty="0"/>
-          </a:p>
-          <a:p>
-            <a:r>
-              <a:rPr lang="en-US" dirty="0"/>
-              <a:t>Tunable parameters (how the model “learns”)</a:t>
-            </a:r>
-          </a:p>
-          <a:p>
-            <a:endParaRPr lang="en-US" dirty="0"/>
+              <a:t>Focused on “prediction” tasks such as assigning a label or value</a:t>
+            </a:r>
           </a:p>
           <a:p>
             <a:endParaRPr lang="en-US" dirty="0"/>
